--- a/jQuery.pptx
+++ b/jQuery.pptx
@@ -224,7 +224,7 @@
       </p14:sectionLst>
     </p:ext>
     <p:ext uri="{EFAFB233-063F-42B5-8137-9DF3F51BA10A}">
-      <p15:sldGuideLst xmlns="" xmlns:p15="http://schemas.microsoft.com/office/powerpoint/2012/main">
+      <p15:sldGuideLst xmlns:p15="http://schemas.microsoft.com/office/powerpoint/2012/main" xmlns="">
         <p15:guide id="1" orient="horz" pos="1979" userDrawn="1">
           <p15:clr>
             <a:srgbClr val="A4A3A4"/>
@@ -265,7 +265,7 @@
   <p:cmAuthor id="5" name="Shaun Greene" initials="SG" lastIdx="1" clrIdx="4">
     <p:extLst>
       <p:ext uri="{19B8F6BF-5375-455C-9EA6-DF929625EA0E}">
-        <p15:presenceInfo xmlns="" xmlns:p15="http://schemas.microsoft.com/office/powerpoint/2012/main" userId="S::sgree@softserveinc.com::aada7fc0-4079-4dff-b590-112c10cd2245" providerId="AD"/>
+        <p15:presenceInfo xmlns:p15="http://schemas.microsoft.com/office/powerpoint/2012/main" xmlns="" userId="S::sgree@softserveinc.com::aada7fc0-4079-4dff-b590-112c10cd2245" providerId="AD"/>
       </p:ext>
     </p:extLst>
   </p:cmAuthor>
@@ -1531,7 +1531,7 @@
               <a:pPr>
                 <a:defRPr/>
               </a:pPr>
-              <a:t>22/11/2020</a:t>
+              <a:t>24/11/2020</a:t>
             </a:fld>
             <a:endParaRPr lang="en-GB"/>
           </a:p>
@@ -2026,7 +2026,7 @@
           <p:cNvPr id="8" name="Picture 7">
             <a:extLst>
               <a:ext uri="{FF2B5EF4-FFF2-40B4-BE49-F238E27FC236}">
-                <a16:creationId xmlns="" xmlns:a16="http://schemas.microsoft.com/office/drawing/2014/main" id="{1CF45043-0DF6-7844-A454-194D648F98F1}"/>
+                <a16:creationId xmlns:a16="http://schemas.microsoft.com/office/drawing/2014/main" xmlns="" id="{1CF45043-0DF6-7844-A454-194D648F98F1}"/>
               </a:ext>
             </a:extLst>
           </p:cNvPr>
@@ -2056,7 +2056,7 @@
           <p:cNvPr id="10" name="Title 8">
             <a:extLst>
               <a:ext uri="{FF2B5EF4-FFF2-40B4-BE49-F238E27FC236}">
-                <a16:creationId xmlns="" xmlns:a16="http://schemas.microsoft.com/office/drawing/2014/main" id="{353C5CCE-34CF-4745-B8D7-AF744DB56245}"/>
+                <a16:creationId xmlns:a16="http://schemas.microsoft.com/office/drawing/2014/main" xmlns="" id="{353C5CCE-34CF-4745-B8D7-AF744DB56245}"/>
               </a:ext>
             </a:extLst>
           </p:cNvPr>
@@ -2767,7 +2767,7 @@
           <p:cNvPr id="10" name="Title 1">
             <a:extLst>
               <a:ext uri="{FF2B5EF4-FFF2-40B4-BE49-F238E27FC236}">
-                <a16:creationId xmlns="" xmlns:a16="http://schemas.microsoft.com/office/drawing/2014/main" id="{B4B68A2E-49F8-4BDA-BD1A-488169336555}"/>
+                <a16:creationId xmlns:a16="http://schemas.microsoft.com/office/drawing/2014/main" xmlns="" id="{B4B68A2E-49F8-4BDA-BD1A-488169336555}"/>
               </a:ext>
             </a:extLst>
           </p:cNvPr>
@@ -3102,7 +3102,7 @@
           <p:cNvPr id="8" name="Picture 7">
             <a:extLst>
               <a:ext uri="{FF2B5EF4-FFF2-40B4-BE49-F238E27FC236}">
-                <a16:creationId xmlns="" xmlns:a16="http://schemas.microsoft.com/office/drawing/2014/main" id="{1CF45043-0DF6-7844-A454-194D648F98F1}"/>
+                <a16:creationId xmlns:a16="http://schemas.microsoft.com/office/drawing/2014/main" xmlns="" id="{1CF45043-0DF6-7844-A454-194D648F98F1}"/>
               </a:ext>
             </a:extLst>
           </p:cNvPr>
@@ -3132,7 +3132,7 @@
           <p:cNvPr id="10" name="Title 8">
             <a:extLst>
               <a:ext uri="{FF2B5EF4-FFF2-40B4-BE49-F238E27FC236}">
-                <a16:creationId xmlns="" xmlns:a16="http://schemas.microsoft.com/office/drawing/2014/main" id="{353C5CCE-34CF-4745-B8D7-AF744DB56245}"/>
+                <a16:creationId xmlns:a16="http://schemas.microsoft.com/office/drawing/2014/main" xmlns="" id="{353C5CCE-34CF-4745-B8D7-AF744DB56245}"/>
               </a:ext>
             </a:extLst>
           </p:cNvPr>
@@ -3347,7 +3347,7 @@
           <p:cNvPr id="7" name="Picture 6">
             <a:extLst>
               <a:ext uri="{FF2B5EF4-FFF2-40B4-BE49-F238E27FC236}">
-                <a16:creationId xmlns="" xmlns:a16="http://schemas.microsoft.com/office/drawing/2014/main" id="{19906801-963A-2748-A48D-2607EEFEA3B7}"/>
+                <a16:creationId xmlns:a16="http://schemas.microsoft.com/office/drawing/2014/main" xmlns="" id="{19906801-963A-2748-A48D-2607EEFEA3B7}"/>
               </a:ext>
             </a:extLst>
           </p:cNvPr>
@@ -4049,7 +4049,7 @@
           <p:cNvPr id="9" name="Picture 8">
             <a:extLst>
               <a:ext uri="{FF2B5EF4-FFF2-40B4-BE49-F238E27FC236}">
-                <a16:creationId xmlns="" xmlns:a16="http://schemas.microsoft.com/office/drawing/2014/main" id="{21C47469-3B03-E44C-89B5-F697BC2200BB}"/>
+                <a16:creationId xmlns:a16="http://schemas.microsoft.com/office/drawing/2014/main" xmlns="" id="{21C47469-3B03-E44C-89B5-F697BC2200BB}"/>
               </a:ext>
             </a:extLst>
           </p:cNvPr>
@@ -4500,7 +4500,7 @@
           <p:cNvPr id="7" name="Picture 6">
             <a:extLst>
               <a:ext uri="{FF2B5EF4-FFF2-40B4-BE49-F238E27FC236}">
-                <a16:creationId xmlns="" xmlns:a16="http://schemas.microsoft.com/office/drawing/2014/main" id="{19906801-963A-2748-A48D-2607EEFEA3B7}"/>
+                <a16:creationId xmlns:a16="http://schemas.microsoft.com/office/drawing/2014/main" xmlns="" id="{19906801-963A-2748-A48D-2607EEFEA3B7}"/>
               </a:ext>
             </a:extLst>
           </p:cNvPr>
@@ -5829,7 +5829,7 @@
           <p:cNvPr id="10" name="Title 1">
             <a:extLst>
               <a:ext uri="{FF2B5EF4-FFF2-40B4-BE49-F238E27FC236}">
-                <a16:creationId xmlns="" xmlns:a16="http://schemas.microsoft.com/office/drawing/2014/main" id="{B4B68A2E-49F8-4BDA-BD1A-488169336555}"/>
+                <a16:creationId xmlns:a16="http://schemas.microsoft.com/office/drawing/2014/main" xmlns="" id="{B4B68A2E-49F8-4BDA-BD1A-488169336555}"/>
               </a:ext>
             </a:extLst>
           </p:cNvPr>
@@ -6040,7 +6040,7 @@
           <p:cNvPr id="8" name="Picture 7">
             <a:extLst>
               <a:ext uri="{FF2B5EF4-FFF2-40B4-BE49-F238E27FC236}">
-                <a16:creationId xmlns="" xmlns:a16="http://schemas.microsoft.com/office/drawing/2014/main" id="{1CF45043-0DF6-7844-A454-194D648F98F1}"/>
+                <a16:creationId xmlns:a16="http://schemas.microsoft.com/office/drawing/2014/main" xmlns="" id="{1CF45043-0DF6-7844-A454-194D648F98F1}"/>
               </a:ext>
             </a:extLst>
           </p:cNvPr>
@@ -6201,7 +6201,7 @@
           <p:cNvPr id="7" name="Picture 6">
             <a:extLst>
               <a:ext uri="{FF2B5EF4-FFF2-40B4-BE49-F238E27FC236}">
-                <a16:creationId xmlns="" xmlns:a16="http://schemas.microsoft.com/office/drawing/2014/main" id="{19906801-963A-2748-A48D-2607EEFEA3B7}"/>
+                <a16:creationId xmlns:a16="http://schemas.microsoft.com/office/drawing/2014/main" xmlns="" id="{19906801-963A-2748-A48D-2607EEFEA3B7}"/>
               </a:ext>
             </a:extLst>
           </p:cNvPr>
@@ -6393,7 +6393,7 @@
           <p:cNvPr id="6" name="Text Placeholder 6">
             <a:extLst>
               <a:ext uri="{FF2B5EF4-FFF2-40B4-BE49-F238E27FC236}">
-                <a16:creationId xmlns="" xmlns:a16="http://schemas.microsoft.com/office/drawing/2014/main" id="{6DDF5AB6-195E-47F9-91E3-98E599C01EFB}"/>
+                <a16:creationId xmlns:a16="http://schemas.microsoft.com/office/drawing/2014/main" xmlns="" id="{6DDF5AB6-195E-47F9-91E3-98E599C01EFB}"/>
               </a:ext>
             </a:extLst>
           </p:cNvPr>
@@ -6691,7 +6691,7 @@
           <p:cNvPr id="9" name="Picture 8">
             <a:extLst>
               <a:ext uri="{FF2B5EF4-FFF2-40B4-BE49-F238E27FC236}">
-                <a16:creationId xmlns="" xmlns:a16="http://schemas.microsoft.com/office/drawing/2014/main" id="{320D1B1E-8401-8049-8729-0C74A6C1928C}"/>
+                <a16:creationId xmlns:a16="http://schemas.microsoft.com/office/drawing/2014/main" xmlns="" id="{320D1B1E-8401-8049-8729-0C74A6C1928C}"/>
               </a:ext>
             </a:extLst>
           </p:cNvPr>
@@ -6975,7 +6975,7 @@
           <p:cNvPr id="9" name="Rectangle 8">
             <a:extLst>
               <a:ext uri="{FF2B5EF4-FFF2-40B4-BE49-F238E27FC236}">
-                <a16:creationId xmlns="" xmlns:a16="http://schemas.microsoft.com/office/drawing/2014/main" id="{9CC0A6A9-FB31-4A19-A170-D23A18C938E0}"/>
+                <a16:creationId xmlns:a16="http://schemas.microsoft.com/office/drawing/2014/main" xmlns="" id="{9CC0A6A9-FB31-4A19-A170-D23A18C938E0}"/>
               </a:ext>
             </a:extLst>
           </p:cNvPr>
@@ -9560,7 +9560,7 @@
           <p:cNvPr id="22" name="Picture 21">
             <a:extLst>
               <a:ext uri="{FF2B5EF4-FFF2-40B4-BE49-F238E27FC236}">
-                <a16:creationId xmlns="" xmlns:a16="http://schemas.microsoft.com/office/drawing/2014/main" id="{D2C70A87-6824-3248-B448-307E7C5BC0C9}"/>
+                <a16:creationId xmlns:a16="http://schemas.microsoft.com/office/drawing/2014/main" xmlns="" id="{D2C70A87-6824-3248-B448-307E7C5BC0C9}"/>
               </a:ext>
             </a:extLst>
           </p:cNvPr>
@@ -9996,7 +9996,7 @@
           <p:cNvPr id="9" name="Picture 8">
             <a:extLst>
               <a:ext uri="{FF2B5EF4-FFF2-40B4-BE49-F238E27FC236}">
-                <a16:creationId xmlns="" xmlns:a16="http://schemas.microsoft.com/office/drawing/2014/main" id="{21C47469-3B03-E44C-89B5-F697BC2200BB}"/>
+                <a16:creationId xmlns:a16="http://schemas.microsoft.com/office/drawing/2014/main" xmlns="" id="{21C47469-3B03-E44C-89B5-F697BC2200BB}"/>
               </a:ext>
             </a:extLst>
           </p:cNvPr>
@@ -11357,7 +11357,7 @@
   </p:txStyles>
   <p:extLst>
     <p:ext uri="{27BBF7A9-308A-43DC-89C8-2F10F3537804}">
-      <p15:sldGuideLst xmlns="" xmlns:p15="http://schemas.microsoft.com/office/powerpoint/2012/main">
+      <p15:sldGuideLst xmlns:p15="http://schemas.microsoft.com/office/powerpoint/2012/main" xmlns="">
         <p15:guide id="1" orient="horz" pos="2160">
           <p15:clr>
             <a:srgbClr val="F26B43"/>
@@ -11833,7 +11833,7 @@
   </p:txStyles>
   <p:extLst>
     <p:ext uri="{27BBF7A9-308A-43DC-89C8-2F10F3537804}">
-      <p15:sldGuideLst xmlns="" xmlns:p15="http://schemas.microsoft.com/office/powerpoint/2012/main">
+      <p15:sldGuideLst xmlns:p15="http://schemas.microsoft.com/office/powerpoint/2012/main" xmlns="">
         <p15:guide id="1" orient="horz" pos="2160">
           <p15:clr>
             <a:srgbClr val="F26B43"/>
@@ -12309,7 +12309,7 @@
   </p:txStyles>
   <p:extLst>
     <p:ext uri="{27BBF7A9-308A-43DC-89C8-2F10F3537804}">
-      <p15:sldGuideLst xmlns="" xmlns:p15="http://schemas.microsoft.com/office/powerpoint/2012/main">
+      <p15:sldGuideLst xmlns:p15="http://schemas.microsoft.com/office/powerpoint/2012/main" xmlns="">
         <p15:guide id="1" orient="horz" pos="2160">
           <p15:clr>
             <a:srgbClr val="F26B43"/>
@@ -12458,7 +12458,7 @@
           <p:cNvPr id="4" name="Text Placeholder 3">
             <a:extLst>
               <a:ext uri="{FF2B5EF4-FFF2-40B4-BE49-F238E27FC236}">
-                <a16:creationId xmlns="" xmlns:a16="http://schemas.microsoft.com/office/drawing/2014/main" id="{C6BFCD7C-0C79-467A-9369-0675D4B541D4}"/>
+                <a16:creationId xmlns:a16="http://schemas.microsoft.com/office/drawing/2014/main" xmlns="" id="{C6BFCD7C-0C79-467A-9369-0675D4B541D4}"/>
               </a:ext>
             </a:extLst>
           </p:cNvPr>
@@ -12499,7 +12499,7 @@
           <p:cNvPr id="2" name="Title 1">
             <a:extLst>
               <a:ext uri="{FF2B5EF4-FFF2-40B4-BE49-F238E27FC236}">
-                <a16:creationId xmlns="" xmlns:a16="http://schemas.microsoft.com/office/drawing/2014/main" id="{3F314A52-F715-4894-9739-384FC3085337}"/>
+                <a16:creationId xmlns:a16="http://schemas.microsoft.com/office/drawing/2014/main" xmlns="" id="{3F314A52-F715-4894-9739-384FC3085337}"/>
               </a:ext>
             </a:extLst>
           </p:cNvPr>
@@ -12546,6 +12546,13 @@
   <p:clrMapOvr>
     <a:masterClrMapping/>
   </p:clrMapOvr>
+  <p:timing>
+    <p:tnLst>
+      <p:par>
+        <p:cTn id="1" dur="indefinite" restart="never" nodeType="tmRoot"/>
+      </p:par>
+    </p:tnLst>
+  </p:timing>
 </p:sld>
 </file>
 
@@ -12714,6 +12721,13 @@
   <p:clrMapOvr>
     <a:masterClrMapping/>
   </p:clrMapOvr>
+  <p:timing>
+    <p:tnLst>
+      <p:par>
+        <p:cTn id="1" dur="indefinite" restart="never" nodeType="tmRoot"/>
+      </p:par>
+    </p:tnLst>
+  </p:timing>
 </p:sld>
 </file>
 
@@ -12994,6 +13008,13 @@
   <p:clrMapOvr>
     <a:masterClrMapping/>
   </p:clrMapOvr>
+  <p:timing>
+    <p:tnLst>
+      <p:par>
+        <p:cTn id="1" dur="indefinite" restart="never" nodeType="tmRoot"/>
+      </p:par>
+    </p:tnLst>
+  </p:timing>
 </p:sld>
 </file>
 
@@ -13118,11 +13139,7 @@
           <a:p>
             <a:r>
               <a:rPr lang="en-US" sz="2400" dirty="0"/>
-              <a:t>change()</a:t>
-            </a:r>
-            <a:r>
-              <a:rPr lang="en-US" sz="2400" dirty="0"/>
-              <a:t> </a:t>
+              <a:t>change() </a:t>
             </a:r>
             <a:r>
               <a:rPr lang="en-US" sz="2400" dirty="0" smtClean="0"/>
@@ -13168,11 +13185,7 @@
             </a:r>
             <a:r>
               <a:rPr lang="en-US" sz="2400" dirty="0"/>
-              <a:t>()</a:t>
-            </a:r>
-            <a:r>
-              <a:rPr lang="en-US" sz="2400" dirty="0"/>
-              <a:t> </a:t>
+              <a:t>() </a:t>
             </a:r>
             <a:r>
               <a:rPr lang="en-US" sz="2400" dirty="0" smtClean="0"/>
@@ -13203,11 +13216,7 @@
           <a:p>
             <a:r>
               <a:rPr lang="en-US" sz="2400" dirty="0"/>
-              <a:t>blur()</a:t>
-            </a:r>
-            <a:r>
-              <a:rPr lang="en-US" sz="2400" dirty="0"/>
-              <a:t> </a:t>
+              <a:t>blur() </a:t>
             </a:r>
             <a:r>
               <a:rPr lang="en-US" sz="2400" dirty="0" smtClean="0"/>
@@ -13223,19 +13232,7 @@
             </a:r>
             <a:r>
               <a:rPr lang="en-US" sz="2400" dirty="0"/>
-              <a:t> </a:t>
-            </a:r>
-            <a:r>
-              <a:rPr lang="en-US" sz="2400" dirty="0"/>
-              <a:t>&lt;input&gt;</a:t>
-            </a:r>
-            <a:r>
-              <a:rPr lang="en-US" sz="2400" dirty="0"/>
-              <a:t>, </a:t>
-            </a:r>
-            <a:r>
-              <a:rPr lang="en-US" sz="2400" dirty="0"/>
-              <a:t>&lt;</a:t>
+              <a:t> &lt;input&gt;, &lt;</a:t>
             </a:r>
             <a:r>
               <a:rPr lang="en-US" sz="2400" dirty="0" err="1"/>
@@ -13243,19 +13240,7 @@
             </a:r>
             <a:r>
               <a:rPr lang="en-US" sz="2400" dirty="0"/>
-              <a:t>&gt;</a:t>
-            </a:r>
-            <a:r>
-              <a:rPr lang="en-US" sz="2400" dirty="0"/>
-              <a:t>, </a:t>
-            </a:r>
-            <a:r>
-              <a:rPr lang="en-US" sz="2400" dirty="0"/>
-              <a:t>&lt;select&gt;</a:t>
-            </a:r>
-            <a:r>
-              <a:rPr lang="en-US" sz="2400" dirty="0"/>
-              <a:t> that is executed when it loses focus. </a:t>
+              <a:t>&gt;, &lt;select&gt; that is executed when it loses focus. </a:t>
             </a:r>
             <a:endParaRPr lang="en-US" sz="2400" dirty="0" smtClean="0"/>
           </a:p>
@@ -13308,6 +13293,13 @@
   <p:clrMapOvr>
     <a:masterClrMapping/>
   </p:clrMapOvr>
+  <p:timing>
+    <p:tnLst>
+      <p:par>
+        <p:cTn id="1" dur="indefinite" restart="never" nodeType="tmRoot"/>
+      </p:par>
+    </p:tnLst>
+  </p:timing>
 </p:sld>
 </file>
 
@@ -13399,6 +13391,13 @@
   <p:clrMapOvr>
     <a:masterClrMapping/>
   </p:clrMapOvr>
+  <p:timing>
+    <p:tnLst>
+      <p:par>
+        <p:cTn id="1" dur="indefinite" restart="never" nodeType="tmRoot"/>
+      </p:par>
+    </p:tnLst>
+  </p:timing>
 </p:sld>
 </file>
 
@@ -13472,15 +13471,7 @@
             </a:r>
             <a:r>
               <a:rPr lang="en-US" sz="2400" dirty="0"/>
-              <a:t>simply sets the inline style </a:t>
-            </a:r>
-            <a:r>
-              <a:rPr lang="en-US" sz="2400" dirty="0"/>
-              <a:t>display: none</a:t>
-            </a:r>
-            <a:r>
-              <a:rPr lang="en-US" sz="2400" dirty="0"/>
-              <a:t> for the selected elements.</a:t>
+              <a:t>simply sets the inline style display: none for the selected elements.</a:t>
             </a:r>
             <a:endParaRPr lang="en-US" sz="2400" b="1" dirty="0"/>
           </a:p>
@@ -13502,11 +13493,7 @@
             </a:r>
             <a:r>
               <a:rPr lang="en-US" sz="2400" dirty="0"/>
-              <a:t> of the matched set of elements to whatever they initially were—typically block, inline, or inline-block—before the inline style </a:t>
-            </a:r>
-            <a:r>
-              <a:rPr lang="en-US" sz="2400" dirty="0"/>
-              <a:t>display: </a:t>
+              <a:t> of the matched set of elements to whatever they initially were—typically block, inline, or inline-block—before the inline style display: </a:t>
             </a:r>
             <a:r>
               <a:rPr lang="en-US" sz="2400" dirty="0" smtClean="0"/>
@@ -13519,11 +13506,7 @@
           <a:p>
             <a:r>
               <a:rPr lang="en-US" sz="2400" dirty="0"/>
-              <a:t>toggle()</a:t>
-            </a:r>
-            <a:r>
-              <a:rPr lang="en-US" sz="2400" dirty="0"/>
-              <a:t> </a:t>
+              <a:t>toggle() </a:t>
             </a:r>
             <a:r>
               <a:rPr lang="en-US" sz="2400" dirty="0" smtClean="0"/>
@@ -13531,23 +13514,7 @@
             </a:r>
             <a:r>
               <a:rPr lang="en-US" sz="2400" dirty="0"/>
-              <a:t>to make it animated like the </a:t>
-            </a:r>
-            <a:r>
-              <a:rPr lang="en-US" sz="2400" dirty="0"/>
-              <a:t>show()</a:t>
-            </a:r>
-            <a:r>
-              <a:rPr lang="en-US" sz="2400" dirty="0"/>
-              <a:t> and </a:t>
-            </a:r>
-            <a:r>
-              <a:rPr lang="en-US" sz="2400" dirty="0"/>
-              <a:t>hide()</a:t>
-            </a:r>
-            <a:r>
-              <a:rPr lang="en-US" sz="2400" dirty="0"/>
-              <a:t> methods.</a:t>
+              <a:t>to make it animated like the show() and hide() methods.</a:t>
             </a:r>
             <a:endParaRPr lang="en-US" sz="2400" b="1" dirty="0"/>
           </a:p>
@@ -13633,6 +13600,13 @@
   <p:clrMapOvr>
     <a:masterClrMapping/>
   </p:clrMapOvr>
+  <p:timing>
+    <p:tnLst>
+      <p:par>
+        <p:cTn id="1" dur="indefinite" restart="never" nodeType="tmRoot"/>
+      </p:par>
+    </p:tnLst>
+  </p:timing>
 </p:sld>
 </file>
 
@@ -13685,19 +13659,7 @@
             </a:r>
             <a:r>
               <a:rPr lang="en-US" sz="2400" dirty="0"/>
-              <a:t>()</a:t>
-            </a:r>
-            <a:r>
-              <a:rPr lang="en-US" sz="2400" dirty="0"/>
-              <a:t> </a:t>
-            </a:r>
-            <a:r>
-              <a:rPr lang="en-US" sz="2400" dirty="0"/>
-              <a:t>-</a:t>
-            </a:r>
-            <a:r>
-              <a:rPr lang="en-US" sz="2400" dirty="0"/>
-              <a:t> methods to display </a:t>
+              <a:t>() - methods to display </a:t>
             </a:r>
             <a:r>
               <a:rPr lang="en-US" sz="2400" dirty="0" smtClean="0"/>
@@ -13755,11 +13717,7 @@
             </a:r>
             <a:r>
               <a:rPr lang="en-US" sz="2400" dirty="0"/>
-              <a:t>()</a:t>
-            </a:r>
-            <a:r>
-              <a:rPr lang="en-US" sz="2400" dirty="0"/>
-              <a:t> method display or hide the selected elements by animating their opacity in such a way that if the element is initially displayed, it will be fade out; if hidden, it will be fade </a:t>
+              <a:t>() method display or hide the selected elements by animating their opacity in such a way that if the element is initially displayed, it will be fade out; if hidden, it will be fade </a:t>
             </a:r>
             <a:r>
               <a:rPr lang="en-US" sz="2400" dirty="0" smtClean="0"/>
@@ -13845,6 +13803,13 @@
   <p:clrMapOvr>
     <a:masterClrMapping/>
   </p:clrMapOvr>
+  <p:timing>
+    <p:tnLst>
+      <p:par>
+        <p:cTn id="1" dur="indefinite" restart="never" nodeType="tmRoot"/>
+      </p:par>
+    </p:tnLst>
+  </p:timing>
 </p:sld>
 </file>
 
@@ -14005,6 +13970,13 @@
   <p:clrMapOvr>
     <a:masterClrMapping/>
   </p:clrMapOvr>
+  <p:timing>
+    <p:tnLst>
+      <p:par>
+        <p:cTn id="1" dur="indefinite" restart="never" nodeType="tmRoot"/>
+      </p:par>
+    </p:tnLst>
+  </p:timing>
 </p:sld>
 </file>
 
@@ -14155,11 +14127,7 @@
             </a:r>
             <a:r>
               <a:rPr lang="en-US" sz="2400" dirty="0"/>
-              <a:t>()</a:t>
-            </a:r>
-            <a:r>
-              <a:rPr lang="en-US" sz="2400" dirty="0"/>
-              <a:t> and </a:t>
+              <a:t>() and </a:t>
             </a:r>
             <a:r>
               <a:rPr lang="en-US" sz="2400" dirty="0" err="1"/>
@@ -14167,13 +14135,8 @@
             </a:r>
             <a:r>
               <a:rPr lang="en-US" sz="2400" dirty="0"/>
-              <a:t>()</a:t>
-            </a:r>
-            <a:r>
-              <a:rPr lang="en-US" sz="2400" dirty="0"/>
-              <a:t> methods.</a:t>
-            </a:r>
-            <a:endParaRPr lang="en-US" sz="2400" dirty="0"/>
+              <a:t>() methods.</a:t>
+            </a:r>
           </a:p>
           <a:p>
             <a:endParaRPr lang="en-US" sz="2400" dirty="0"/>
@@ -14257,6 +14220,13 @@
   <p:clrMapOvr>
     <a:masterClrMapping/>
   </p:clrMapOvr>
+  <p:timing>
+    <p:tnLst>
+      <p:par>
+        <p:cTn id="1" dur="indefinite" restart="never" nodeType="tmRoot"/>
+      </p:par>
+    </p:tnLst>
+  </p:timing>
 </p:sld>
 </file>
 
@@ -14320,15 +14290,7 @@
             </a:r>
             <a:r>
               <a:rPr lang="en-US" sz="2400" dirty="0"/>
-              <a:t> </a:t>
-            </a:r>
-            <a:r>
-              <a:rPr lang="en-US" sz="2400" dirty="0"/>
-              <a:t>animate()</a:t>
-            </a:r>
-            <a:r>
-              <a:rPr lang="en-US" sz="2400" dirty="0"/>
-              <a:t> method is </a:t>
+              <a:t> animate() method is </a:t>
             </a:r>
             <a:r>
               <a:rPr lang="en-US" sz="2400" dirty="0" smtClean="0"/>
@@ -14600,6 +14562,13 @@
   <p:clrMapOvr>
     <a:masterClrMapping/>
   </p:clrMapOvr>
+  <p:timing>
+    <p:tnLst>
+      <p:par>
+        <p:cTn id="1" dur="indefinite" restart="never" nodeType="tmRoot"/>
+      </p:par>
+    </p:tnLst>
+  </p:timing>
 </p:sld>
 </file>
 
@@ -14658,23 +14627,7 @@
           <a:p>
             <a:r>
               <a:rPr lang="en-US" sz="2400" dirty="0"/>
-              <a:t>If a value is specified with a leading </a:t>
-            </a:r>
-            <a:r>
-              <a:rPr lang="en-US" sz="2400" dirty="0"/>
-              <a:t>+=</a:t>
-            </a:r>
-            <a:r>
-              <a:rPr lang="en-US" sz="2400" dirty="0"/>
-              <a:t> or </a:t>
-            </a:r>
-            <a:r>
-              <a:rPr lang="en-US" sz="2400" dirty="0"/>
-              <a:t>-=</a:t>
-            </a:r>
-            <a:r>
-              <a:rPr lang="en-US" sz="2400" dirty="0"/>
-              <a:t> prefix, then the target value is calculated by adding or subtracting the given number from the current value of the property</a:t>
+              <a:t>If a value is specified with a leading += or -= prefix, then the target value is calculated by adding or subtracting the given number from the current value of the property</a:t>
             </a:r>
             <a:r>
               <a:rPr lang="en-US" sz="2400" dirty="0" smtClean="0"/>
@@ -14760,6 +14713,13 @@
   <p:clrMapOvr>
     <a:masterClrMapping/>
   </p:clrMapOvr>
+  <p:timing>
+    <p:tnLst>
+      <p:par>
+        <p:cTn id="1" dur="indefinite" restart="never" nodeType="tmRoot"/>
+      </p:par>
+    </p:tnLst>
+  </p:timing>
 </p:sld>
 </file>
 
@@ -14785,7 +14745,7 @@
           <p:cNvPr id="6" name="Title 5">
             <a:extLst>
               <a:ext uri="{FF2B5EF4-FFF2-40B4-BE49-F238E27FC236}">
-                <a16:creationId xmlns="" xmlns:a16="http://schemas.microsoft.com/office/drawing/2014/main" id="{C26BA086-93B2-44A2-8B1B-22E693D2ABB6}"/>
+                <a16:creationId xmlns:a16="http://schemas.microsoft.com/office/drawing/2014/main" xmlns="" id="{C26BA086-93B2-44A2-8B1B-22E693D2ABB6}"/>
               </a:ext>
             </a:extLst>
           </p:cNvPr>
@@ -14814,7 +14774,7 @@
           <p:cNvPr id="7" name="Text Placeholder 6">
             <a:extLst>
               <a:ext uri="{FF2B5EF4-FFF2-40B4-BE49-F238E27FC236}">
-                <a16:creationId xmlns="" xmlns:a16="http://schemas.microsoft.com/office/drawing/2014/main" id="{B3EDC24C-EE02-4845-99B9-F77A9B3BC1BB}"/>
+                <a16:creationId xmlns:a16="http://schemas.microsoft.com/office/drawing/2014/main" xmlns="" id="{B3EDC24C-EE02-4845-99B9-F77A9B3BC1BB}"/>
               </a:ext>
             </a:extLst>
           </p:cNvPr>
@@ -14923,6 +14883,13 @@
   <p:clrMapOvr>
     <a:masterClrMapping/>
   </p:clrMapOvr>
+  <p:timing>
+    <p:tnLst>
+      <p:par>
+        <p:cTn id="1" dur="indefinite" restart="never" nodeType="tmRoot"/>
+      </p:par>
+    </p:tnLst>
+  </p:timing>
 </p:sld>
 </file>
 
@@ -14967,11 +14934,7 @@
           <a:p>
             <a:r>
               <a:rPr lang="en-US" sz="2400" dirty="0"/>
-              <a:t>stop()</a:t>
-            </a:r>
-            <a:r>
-              <a:rPr lang="en-US" sz="2400" dirty="0"/>
-              <a:t> </a:t>
+              <a:t>stop() </a:t>
             </a:r>
             <a:r>
               <a:rPr lang="en-US" sz="2400" dirty="0" smtClean="0"/>
@@ -15222,6 +15185,13 @@
   <p:clrMapOvr>
     <a:masterClrMapping/>
   </p:clrMapOvr>
+  <p:timing>
+    <p:tnLst>
+      <p:par>
+        <p:cTn id="1" dur="indefinite" restart="never" nodeType="tmRoot"/>
+      </p:par>
+    </p:tnLst>
+  </p:timing>
 </p:sld>
 </file>
 
@@ -15394,6 +15364,13 @@
   <p:clrMapOvr>
     <a:masterClrMapping/>
   </p:clrMapOvr>
+  <p:timing>
+    <p:tnLst>
+      <p:par>
+        <p:cTn id="1" dur="indefinite" restart="never" nodeType="tmRoot"/>
+      </p:par>
+    </p:tnLst>
+  </p:timing>
 </p:sld>
 </file>
 
@@ -15451,11 +15428,7 @@
           <a:p>
             <a:r>
               <a:rPr lang="en-US" sz="2400" dirty="0"/>
-              <a:t>text()</a:t>
-            </a:r>
-            <a:r>
-              <a:rPr lang="en-US" sz="2400" dirty="0"/>
-              <a:t> </a:t>
+              <a:t>text() </a:t>
             </a:r>
             <a:r>
               <a:rPr lang="en-US" sz="2400" dirty="0" smtClean="0"/>
@@ -15501,11 +15474,7 @@
             </a:r>
             <a:r>
               <a:rPr lang="en-US" sz="2400" dirty="0"/>
-              <a:t>()</a:t>
-            </a:r>
-            <a:r>
-              <a:rPr lang="en-US" sz="2400" dirty="0"/>
-              <a:t> </a:t>
+              <a:t>() </a:t>
             </a:r>
             <a:r>
               <a:rPr lang="en-US" sz="2400" dirty="0" smtClean="0"/>
@@ -15632,6 +15601,13 @@
   <p:clrMapOvr>
     <a:masterClrMapping/>
   </p:clrMapOvr>
+  <p:timing>
+    <p:tnLst>
+      <p:par>
+        <p:cTn id="1" dur="indefinite" restart="never" nodeType="tmRoot"/>
+      </p:par>
+    </p:tnLst>
+  </p:timing>
 </p:sld>
 </file>
 
@@ -15699,11 +15675,7 @@
           <a:p>
             <a:r>
               <a:rPr lang="en-US" sz="2400" dirty="0"/>
-              <a:t>append()</a:t>
-            </a:r>
-            <a:r>
-              <a:rPr lang="en-US" sz="2400" dirty="0"/>
-              <a:t> </a:t>
+              <a:t>append() </a:t>
             </a:r>
             <a:r>
               <a:rPr lang="en-US" sz="2400" dirty="0" smtClean="0"/>
@@ -15739,11 +15711,7 @@
           <a:p>
             <a:r>
               <a:rPr lang="en-US" sz="2400" dirty="0"/>
-              <a:t>before()</a:t>
-            </a:r>
-            <a:r>
-              <a:rPr lang="en-US" sz="2400" dirty="0"/>
-              <a:t> </a:t>
+              <a:t>before() </a:t>
             </a:r>
             <a:r>
               <a:rPr lang="en-US" sz="2400" dirty="0" smtClean="0"/>
@@ -15867,6 +15835,13 @@
   <p:clrMapOvr>
     <a:masterClrMapping/>
   </p:clrMapOvr>
+  <p:timing>
+    <p:tnLst>
+      <p:par>
+        <p:cTn id="1" dur="indefinite" restart="never" nodeType="tmRoot"/>
+      </p:par>
+    </p:tnLst>
+  </p:timing>
 </p:sld>
 </file>
 
@@ -15945,11 +15920,7 @@
           <a:p>
             <a:r>
               <a:rPr lang="en-US" sz="2400" dirty="0"/>
-              <a:t>empty()</a:t>
-            </a:r>
-            <a:r>
-              <a:rPr lang="en-US" sz="2400" dirty="0"/>
-              <a:t> </a:t>
+              <a:t>empty() </a:t>
             </a:r>
             <a:r>
               <a:rPr lang="en-US" sz="2400" dirty="0" smtClean="0"/>
@@ -15970,11 +15941,7 @@
           <a:p>
             <a:r>
               <a:rPr lang="en-US" sz="2400" dirty="0"/>
-              <a:t>remove()</a:t>
-            </a:r>
-            <a:r>
-              <a:rPr lang="en-US" sz="2400" dirty="0"/>
-              <a:t> </a:t>
+              <a:t>remove() </a:t>
             </a:r>
             <a:r>
               <a:rPr lang="en-US" sz="2400" dirty="0" smtClean="0"/>
@@ -16047,6 +16014,13 @@
   <p:clrMapOvr>
     <a:masterClrMapping/>
   </p:clrMapOvr>
+  <p:timing>
+    <p:tnLst>
+      <p:par>
+        <p:cTn id="1" dur="indefinite" restart="never" nodeType="tmRoot"/>
+      </p:par>
+    </p:tnLst>
+  </p:timing>
 </p:sld>
 </file>
 
@@ -16129,11 +16103,7 @@
             </a:r>
             <a:r>
               <a:rPr lang="en-US" sz="2400" dirty="0"/>
-              <a:t>()</a:t>
-            </a:r>
-            <a:r>
-              <a:rPr lang="en-US" sz="2400" dirty="0"/>
-              <a:t> </a:t>
+              <a:t>() </a:t>
             </a:r>
             <a:r>
               <a:rPr lang="en-US" sz="2400" dirty="0" smtClean="0"/>
@@ -16370,6 +16340,13 @@
   <p:clrMapOvr>
     <a:masterClrMapping/>
   </p:clrMapOvr>
+  <p:timing>
+    <p:tnLst>
+      <p:par>
+        <p:cTn id="1" dur="indefinite" restart="never" nodeType="tmRoot"/>
+      </p:par>
+    </p:tnLst>
+  </p:timing>
 </p:sld>
 </file>
 
@@ -16431,11 +16408,7 @@
             </a:r>
             <a:r>
               <a:rPr lang="en-US" sz="2400" dirty="0"/>
-              <a:t>()</a:t>
-            </a:r>
-            <a:r>
-              <a:rPr lang="en-US" sz="2400" dirty="0"/>
-              <a:t> </a:t>
+              <a:t>() </a:t>
             </a:r>
             <a:r>
               <a:rPr lang="en-US" sz="2400" dirty="0" smtClean="0"/>
@@ -16782,6 +16755,13 @@
   <p:clrMapOvr>
     <a:masterClrMapping/>
   </p:clrMapOvr>
+  <p:timing>
+    <p:tnLst>
+      <p:par>
+        <p:cTn id="1" dur="indefinite" restart="never" nodeType="tmRoot"/>
+      </p:par>
+    </p:tnLst>
+  </p:timing>
 </p:sld>
 </file>
 
@@ -16950,6 +16930,13 @@
   <p:clrMapOvr>
     <a:masterClrMapping/>
   </p:clrMapOvr>
+  <p:timing>
+    <p:tnLst>
+      <p:par>
+        <p:cTn id="1" dur="indefinite" restart="never" nodeType="tmRoot"/>
+      </p:par>
+    </p:tnLst>
+  </p:timing>
 </p:sld>
 </file>
 
@@ -17007,11 +16994,7 @@
           <a:p>
             <a:r>
               <a:rPr lang="en-US" sz="2400" dirty="0"/>
-              <a:t>parent()</a:t>
-            </a:r>
-            <a:r>
-              <a:rPr lang="en-US" sz="2400" dirty="0"/>
-              <a:t> </a:t>
+              <a:t>parent() </a:t>
             </a:r>
             <a:r>
               <a:rPr lang="en-US" sz="2400" dirty="0" smtClean="0"/>
@@ -17032,11 +17015,7 @@
           <a:p>
             <a:r>
               <a:rPr lang="en-US" sz="2400" dirty="0"/>
-              <a:t>parents()</a:t>
-            </a:r>
-            <a:r>
-              <a:rPr lang="en-US" sz="2400" dirty="0"/>
-              <a:t> </a:t>
+              <a:t>parents() </a:t>
             </a:r>
             <a:r>
               <a:rPr lang="en-US" sz="2400" dirty="0" smtClean="0"/>
@@ -17061,11 +17040,7 @@
             </a:r>
             <a:r>
               <a:rPr lang="en-US" sz="2400" dirty="0"/>
-              <a:t>()</a:t>
-            </a:r>
-            <a:r>
-              <a:rPr lang="en-US" sz="2400" dirty="0"/>
-              <a:t> </a:t>
+              <a:t>() </a:t>
             </a:r>
             <a:r>
               <a:rPr lang="en-US" sz="2400" dirty="0" smtClean="0"/>
@@ -17164,6 +17139,13 @@
   <p:clrMapOvr>
     <a:masterClrMapping/>
   </p:clrMapOvr>
+  <p:timing>
+    <p:tnLst>
+      <p:par>
+        <p:cTn id="1" dur="indefinite" restart="never" nodeType="tmRoot"/>
+      </p:par>
+    </p:tnLst>
+  </p:timing>
 </p:sld>
 </file>
 
@@ -17225,23 +17207,7 @@
             </a:r>
             <a:r>
               <a:rPr lang="en-US" sz="2400" dirty="0"/>
-              <a:t> provides the useful methods such as </a:t>
-            </a:r>
-            <a:r>
-              <a:rPr lang="en-US" sz="2400" dirty="0"/>
-              <a:t>children()</a:t>
-            </a:r>
-            <a:r>
-              <a:rPr lang="en-US" sz="2400" dirty="0"/>
-              <a:t> and </a:t>
-            </a:r>
-            <a:r>
-              <a:rPr lang="en-US" sz="2400" dirty="0"/>
-              <a:t>find()</a:t>
-            </a:r>
-            <a:r>
-              <a:rPr lang="en-US" sz="2400" dirty="0"/>
-              <a:t> that you can use to traverse down in the DOM tree either single or multiple levels to easily find or get the child or other descendants of an element in the hierarchy</a:t>
+              <a:t> provides the useful methods such as children() and find() that you can use to traverse down in the DOM tree either single or multiple levels to easily find or get the child or other descendants of an element in the hierarchy</a:t>
             </a:r>
             <a:r>
               <a:rPr lang="en-US" sz="2400" dirty="0" smtClean="0"/>
@@ -17441,6 +17407,13 @@
   <p:clrMapOvr>
     <a:masterClrMapping/>
   </p:clrMapOvr>
+  <p:timing>
+    <p:tnLst>
+      <p:par>
+        <p:cTn id="1" dur="indefinite" restart="never" nodeType="tmRoot"/>
+      </p:par>
+    </p:tnLst>
+  </p:timing>
 </p:sld>
 </file>
 
@@ -17513,6 +17486,13 @@
   <p:clrMapOvr>
     <a:masterClrMapping/>
   </p:clrMapOvr>
+  <p:timing>
+    <p:tnLst>
+      <p:par>
+        <p:cTn id="1" dur="indefinite" restart="never" nodeType="tmRoot"/>
+      </p:par>
+    </p:tnLst>
+  </p:timing>
 </p:sld>
 </file>
 
@@ -17659,11 +17639,7 @@
             </a:r>
             <a:r>
               <a:rPr lang="en-US" sz="2400" dirty="0"/>
-              <a:t>()</a:t>
-            </a:r>
-            <a:r>
-              <a:rPr lang="en-US" sz="2400" dirty="0"/>
-              <a:t> </a:t>
+              <a:t>() </a:t>
             </a:r>
             <a:r>
               <a:rPr lang="en-US" sz="2400" dirty="0" smtClean="0"/>
@@ -17749,6 +17725,13 @@
   <p:clrMapOvr>
     <a:masterClrMapping/>
   </p:clrMapOvr>
+  <p:timing>
+    <p:tnLst>
+      <p:par>
+        <p:cTn id="1" dur="indefinite" restart="never" nodeType="tmRoot"/>
+      </p:par>
+    </p:tnLst>
+  </p:timing>
 </p:sld>
 </file>
 
@@ -17806,11 +17789,7 @@
           <a:p>
             <a:r>
               <a:rPr lang="en-US" sz="2400" dirty="0"/>
-              <a:t>first()</a:t>
-            </a:r>
-            <a:r>
-              <a:rPr lang="en-US" sz="2400" dirty="0"/>
-              <a:t> </a:t>
+              <a:t>first() </a:t>
             </a:r>
             <a:r>
               <a:rPr lang="en-US" sz="2400" dirty="0" smtClean="0"/>
@@ -17834,11 +17813,7 @@
           <a:p>
             <a:r>
               <a:rPr lang="en-US" sz="2400" dirty="0"/>
-              <a:t>last()</a:t>
-            </a:r>
-            <a:r>
-              <a:rPr lang="en-US" sz="2400" dirty="0"/>
-              <a:t> </a:t>
+              <a:t>last() </a:t>
             </a:r>
             <a:r>
               <a:rPr lang="en-US" sz="2400" dirty="0" smtClean="0"/>
@@ -17866,11 +17841,7 @@
             </a:r>
             <a:r>
               <a:rPr lang="en-US" sz="2400" dirty="0"/>
-              <a:t>()</a:t>
-            </a:r>
-            <a:r>
-              <a:rPr lang="en-US" sz="2400" dirty="0"/>
-              <a:t> </a:t>
+              <a:t>() </a:t>
             </a:r>
             <a:r>
               <a:rPr lang="en-US" sz="2400" dirty="0" smtClean="0"/>
@@ -18101,6 +18072,13 @@
   <p:clrMapOvr>
     <a:masterClrMapping/>
   </p:clrMapOvr>
+  <p:timing>
+    <p:tnLst>
+      <p:par>
+        <p:cTn id="1" dur="indefinite" restart="never" nodeType="tmRoot"/>
+      </p:par>
+    </p:tnLst>
+  </p:timing>
 </p:sld>
 </file>
 
@@ -18257,11 +18235,7 @@
           <a:p>
             <a:r>
               <a:rPr lang="en-US" sz="2400" dirty="0"/>
-              <a:t>has()</a:t>
-            </a:r>
-            <a:r>
-              <a:rPr lang="en-US" sz="2400" dirty="0"/>
-              <a:t> </a:t>
+              <a:t>has() </a:t>
             </a:r>
             <a:r>
               <a:rPr lang="en-US" sz="2400" dirty="0" smtClean="0"/>
@@ -18375,11 +18349,7 @@
           <a:p>
             <a:r>
               <a:rPr lang="en-US" sz="2400" dirty="0"/>
-              <a:t>slice()</a:t>
-            </a:r>
-            <a:r>
-              <a:rPr lang="en-US" sz="2400" dirty="0"/>
-              <a:t> </a:t>
+              <a:t>slice() </a:t>
             </a:r>
             <a:r>
               <a:rPr lang="en-US" sz="2400" dirty="0" smtClean="0"/>
@@ -18573,6 +18543,13 @@
   <p:clrMapOvr>
     <a:masterClrMapping/>
   </p:clrMapOvr>
+  <p:timing>
+    <p:tnLst>
+      <p:par>
+        <p:cTn id="1" dur="indefinite" restart="never" nodeType="tmRoot"/>
+      </p:par>
+    </p:tnLst>
+  </p:timing>
 </p:sld>
 </file>
 
@@ -18668,6 +18645,13 @@
   <p:clrMapOvr>
     <a:masterClrMapping/>
   </p:clrMapOvr>
+  <p:timing>
+    <p:tnLst>
+      <p:par>
+        <p:cTn id="1" dur="indefinite" restart="never" nodeType="tmRoot"/>
+      </p:par>
+    </p:tnLst>
+  </p:timing>
 </p:sld>
 </file>
 
@@ -18908,6 +18892,13 @@
   <p:clrMapOvr>
     <a:masterClrMapping/>
   </p:clrMapOvr>
+  <p:timing>
+    <p:tnLst>
+      <p:par>
+        <p:cTn id="1" dur="indefinite" restart="never" nodeType="tmRoot"/>
+      </p:par>
+    </p:tnLst>
+  </p:timing>
 </p:sld>
 </file>
 
@@ -19106,6 +19097,13 @@
   <p:clrMapOvr>
     <a:masterClrMapping/>
   </p:clrMapOvr>
+  <p:timing>
+    <p:tnLst>
+      <p:par>
+        <p:cTn id="1" dur="indefinite" restart="never" nodeType="tmRoot"/>
+      </p:par>
+    </p:tnLst>
+  </p:timing>
 </p:sld>
 </file>
 
@@ -19171,39 +19169,7 @@
             </a:r>
             <a:r>
               <a:rPr lang="en-US" sz="2400" dirty="0"/>
-              <a:t> </a:t>
-            </a:r>
-            <a:r>
-              <a:rPr lang="en-US" sz="2400" dirty="0"/>
-              <a:t>$.get()</a:t>
-            </a:r>
-            <a:r>
-              <a:rPr lang="en-US" sz="2400" dirty="0"/>
-              <a:t> and </a:t>
-            </a:r>
-            <a:r>
-              <a:rPr lang="en-US" sz="2400" dirty="0"/>
-              <a:t>$.post()</a:t>
-            </a:r>
-            <a:r>
-              <a:rPr lang="en-US" sz="2400" dirty="0"/>
-              <a:t> methods provide simple tools to send and retrieve data asynchronously from a web server. Both the methods are pretty much identical, apart from one major difference — the </a:t>
-            </a:r>
-            <a:r>
-              <a:rPr lang="en-US" sz="2400" dirty="0"/>
-              <a:t>$.get()</a:t>
-            </a:r>
-            <a:r>
-              <a:rPr lang="en-US" sz="2400" dirty="0"/>
-              <a:t> makes Ajax requests using the HTTP GET method, whereas the </a:t>
-            </a:r>
-            <a:r>
-              <a:rPr lang="en-US" sz="2400" dirty="0"/>
-              <a:t>$.post()</a:t>
-            </a:r>
-            <a:r>
-              <a:rPr lang="en-US" sz="2400" dirty="0"/>
-              <a:t> makes Ajax requests using the HTTP POST </a:t>
+              <a:t> $.get() and $.post() methods provide simple tools to send and retrieve data asynchronously from a web server. Both the methods are pretty much identical, apart from one major difference — the $.get() makes Ajax requests using the HTTP GET method, whereas the $.post() makes Ajax requests using the HTTP POST </a:t>
             </a:r>
             <a:r>
               <a:rPr lang="en-US" sz="2400" dirty="0" smtClean="0"/>
@@ -19419,6 +19385,13 @@
   <p:clrMapOvr>
     <a:masterClrMapping/>
   </p:clrMapOvr>
+  <p:timing>
+    <p:tnLst>
+      <p:par>
+        <p:cTn id="1" dur="indefinite" restart="never" nodeType="tmRoot"/>
+      </p:par>
+    </p:tnLst>
+  </p:timing>
 </p:sld>
 </file>
 
@@ -19565,6 +19538,13 @@
   <p:clrMapOvr>
     <a:masterClrMapping/>
   </p:clrMapOvr>
+  <p:timing>
+    <p:tnLst>
+      <p:par>
+        <p:cTn id="1" dur="indefinite" restart="never" nodeType="tmRoot"/>
+      </p:par>
+    </p:tnLst>
+  </p:timing>
 </p:sld>
 </file>
 
@@ -19622,6 +19602,13 @@
   <p:clrMapOvr>
     <a:masterClrMapping/>
   </p:clrMapOvr>
+  <p:timing>
+    <p:tnLst>
+      <p:par>
+        <p:cTn id="1" dur="indefinite" restart="never" nodeType="tmRoot"/>
+      </p:par>
+    </p:tnLst>
+  </p:timing>
 </p:sld>
 </file>
 
@@ -19651,7 +19638,7 @@
         <p:spPr>
           <a:xfrm>
             <a:off x="121920" y="0"/>
-            <a:ext cx="11932920" cy="7201972"/>
+            <a:ext cx="11932920" cy="6832640"/>
           </a:xfrm>
           <a:prstGeom prst="rect">
             <a:avLst/>
@@ -19718,8 +19705,8 @@
               <a:buChar char="•"/>
             </a:pPr>
             <a:r>
-              <a:rPr lang="en-US" sz="2400" dirty="0"/>
-              <a:t>You can download </a:t>
+              <a:rPr lang="en-US" sz="2400" dirty="0" smtClean="0"/>
+              <a:t>download </a:t>
             </a:r>
             <a:r>
               <a:rPr lang="en-US" sz="2400" dirty="0" err="1"/>
@@ -19756,8 +19743,12 @@
               <a:buChar char="•"/>
             </a:pPr>
             <a:r>
+              <a:rPr lang="en-US" sz="2400" dirty="0" smtClean="0"/>
+              <a:t>downloaded </a:t>
+            </a:r>
+            <a:r>
               <a:rPr lang="en-US" sz="2400" dirty="0"/>
-              <a:t>Once you've downloaded the </a:t>
+              <a:t>the </a:t>
             </a:r>
             <a:r>
               <a:rPr lang="en-US" sz="2400" dirty="0" err="1"/>
@@ -19855,7 +19846,19 @@
             </a:pPr>
             <a:r>
               <a:rPr lang="en-US" sz="2400" dirty="0"/>
-              <a:t>Alternatively, you can include </a:t>
+              <a:t>Alternatively, </a:t>
+            </a:r>
+            <a:r>
+              <a:rPr lang="en-US" sz="2400" dirty="0" smtClean="0"/>
+              <a:t>it </a:t>
+            </a:r>
+            <a:r>
+              <a:rPr lang="en-US" sz="2400" dirty="0" smtClean="0"/>
+              <a:t>can </a:t>
+            </a:r>
+            <a:r>
+              <a:rPr lang="en-US" sz="2400" dirty="0"/>
+              <a:t>include </a:t>
             </a:r>
             <a:r>
               <a:rPr lang="en-US" sz="2400" dirty="0" err="1"/>
@@ -19863,7 +19866,15 @@
             </a:r>
             <a:r>
               <a:rPr lang="en-US" sz="2400" dirty="0"/>
-              <a:t> in your document through freely available CDN (Content Delivery Network) links, if you don't want to download and host </a:t>
+              <a:t> in </a:t>
+            </a:r>
+            <a:r>
+              <a:rPr lang="en-US" sz="2400" dirty="0" smtClean="0"/>
+              <a:t>our </a:t>
+            </a:r>
+            <a:r>
+              <a:rPr lang="en-US" sz="2400" dirty="0"/>
+              <a:t>document through freely available CDN (Content Delivery Network) links, if you don't want to download and host </a:t>
             </a:r>
             <a:r>
               <a:rPr lang="en-US" sz="2400" dirty="0" err="1"/>
@@ -19899,6 +19910,13 @@
   <p:clrMapOvr>
     <a:masterClrMapping/>
   </p:clrMapOvr>
+  <p:timing>
+    <p:tnLst>
+      <p:par>
+        <p:cTn id="1" dur="indefinite" restart="never" nodeType="tmRoot"/>
+      </p:par>
+    </p:tnLst>
+  </p:timing>
 </p:sld>
 </file>
 
@@ -20057,6 +20075,13 @@
   <p:clrMapOvr>
     <a:masterClrMapping/>
   </p:clrMapOvr>
+  <p:timing>
+    <p:tnLst>
+      <p:par>
+        <p:cTn id="1" dur="indefinite" restart="never" nodeType="tmRoot"/>
+      </p:par>
+    </p:tnLst>
+  </p:timing>
 </p:sld>
 </file>
 
@@ -20234,6 +20259,13 @@
   <p:clrMapOvr>
     <a:masterClrMapping/>
   </p:clrMapOvr>
+  <p:timing>
+    <p:tnLst>
+      <p:par>
+        <p:cTn id="1" dur="indefinite" restart="never" nodeType="tmRoot"/>
+      </p:par>
+    </p:tnLst>
+  </p:timing>
 </p:sld>
 </file>
 
@@ -20339,6 +20371,13 @@
   <p:clrMapOvr>
     <a:masterClrMapping/>
   </p:clrMapOvr>
+  <p:timing>
+    <p:tnLst>
+      <p:par>
+        <p:cTn id="1" dur="indefinite" restart="never" nodeType="tmRoot"/>
+      </p:par>
+    </p:tnLst>
+  </p:timing>
 </p:sld>
 </file>
 
@@ -20786,6 +20825,13 @@
   <p:clrMapOvr>
     <a:masterClrMapping/>
   </p:clrMapOvr>
+  <p:timing>
+    <p:tnLst>
+      <p:par>
+        <p:cTn id="1" dur="indefinite" restart="never" nodeType="tmRoot"/>
+      </p:par>
+    </p:tnLst>
+  </p:timing>
 </p:sld>
 </file>
 
@@ -20915,6 +20961,13 @@
   <p:clrMapOvr>
     <a:masterClrMapping/>
   </p:clrMapOvr>
+  <p:timing>
+    <p:tnLst>
+      <p:par>
+        <p:cTn id="1" dur="indefinite" restart="never" nodeType="tmRoot"/>
+      </p:par>
+    </p:tnLst>
+  </p:timing>
 </p:sld>
 </file>
 
@@ -21113,7 +21166,7 @@
   <a:extraClrSchemeLst/>
   <a:extLst>
     <a:ext uri="{05A4C25C-085E-4340-85A3-A5531E510DB2}">
-      <thm15:themeFamily xmlns="" xmlns:thm15="http://schemas.microsoft.com/office/thememl/2012/main" name="Presentation7" id="{EDBDD289-3946-6C44-95DC-76383EF7028A}" vid="{6D763B00-EF50-F542-BB8F-59F84E5659F4}"/>
+      <thm15:themeFamily xmlns:thm15="http://schemas.microsoft.com/office/thememl/2012/main" xmlns="" name="Presentation7" id="{EDBDD289-3946-6C44-95DC-76383EF7028A}" vid="{6D763B00-EF50-F542-BB8F-59F84E5659F4}"/>
     </a:ext>
   </a:extLst>
 </a:theme>
@@ -21314,7 +21367,7 @@
   <a:extraClrSchemeLst/>
   <a:extLst>
     <a:ext uri="{05A4C25C-085E-4340-85A3-A5531E510DB2}">
-      <thm15:themeFamily xmlns="" xmlns:thm15="http://schemas.microsoft.com/office/thememl/2012/main" name="Presentation7" id="{EDBDD289-3946-6C44-95DC-76383EF7028A}" vid="{6D763B00-EF50-F542-BB8F-59F84E5659F4}"/>
+      <thm15:themeFamily xmlns:thm15="http://schemas.microsoft.com/office/thememl/2012/main" xmlns="" name="Presentation7" id="{EDBDD289-3946-6C44-95DC-76383EF7028A}" vid="{6D763B00-EF50-F542-BB8F-59F84E5659F4}"/>
     </a:ext>
   </a:extLst>
 </a:theme>
@@ -21515,7 +21568,7 @@
   <a:extraClrSchemeLst/>
   <a:extLst>
     <a:ext uri="{05A4C25C-085E-4340-85A3-A5531E510DB2}">
-      <thm15:themeFamily xmlns="" xmlns:thm15="http://schemas.microsoft.com/office/thememl/2012/main" name="Presentation7" id="{EDBDD289-3946-6C44-95DC-76383EF7028A}" vid="{6D763B00-EF50-F542-BB8F-59F84E5659F4}"/>
+      <thm15:themeFamily xmlns:thm15="http://schemas.microsoft.com/office/thememl/2012/main" xmlns="" name="Presentation7" id="{EDBDD289-3946-6C44-95DC-76383EF7028A}" vid="{6D763B00-EF50-F542-BB8F-59F84E5659F4}"/>
     </a:ext>
   </a:extLst>
 </a:theme>
@@ -21776,22 +21829,13 @@
   <a:extraClrSchemeLst/>
   <a:extLst>
     <a:ext uri="{05A4C25C-085E-4340-85A3-A5531E510DB2}">
-      <thm15:themeFamily xmlns="" xmlns:thm15="http://schemas.microsoft.com/office/thememl/2012/main" name="Office Theme" id="{62F939B6-93AF-4DB8-9C6B-D6C7DFDC589F}" vid="{4A3C46E8-61CC-4603-A589-7422A47A8E4A}"/>
+      <thm15:themeFamily xmlns:thm15="http://schemas.microsoft.com/office/thememl/2012/main" xmlns="" name="Office Theme" id="{62F939B6-93AF-4DB8-9C6B-D6C7DFDC589F}" vid="{4A3C46E8-61CC-4603-A589-7422A47A8E4A}"/>
     </a:ext>
   </a:extLst>
 </a:theme>
 </file>
 
 <file path=customXml/item1.xml><?xml version="1.0" encoding="utf-8"?>
-<?mso-contentType ?>
-<FormTemplates xmlns="http://schemas.microsoft.com/sharepoint/v3/contenttype/forms">
-  <Display>DocumentLibraryForm</Display>
-  <Edit>DocumentLibraryForm</Edit>
-  <New>DocumentLibraryForm</New>
-</FormTemplates>
-</file>
-
-<file path=customXml/item2.xml><?xml version="1.0" encoding="utf-8"?>
 <p:properties xmlns:p="http://schemas.microsoft.com/office/2006/metadata/properties" xmlns:xsi="http://www.w3.org/2001/XMLSchema-instance" xmlns:pc="http://schemas.microsoft.com/office/infopath/2007/PartnerControls">
   <documentManagement>
     <_x041a__x043e__x043c__x0435__x0442__x0430__x0440_ xmlns="835f28f2-30f1-4728-84d2-86d96e143488" xsi:nil="true"/>
@@ -21799,7 +21843,7 @@
 </p:properties>
 </file>
 
-<file path=customXml/item3.xml><?xml version="1.0" encoding="utf-8"?>
+<file path=customXml/item2.xml><?xml version="1.0" encoding="utf-8"?>
 <ct:contentTypeSchema xmlns:ct="http://schemas.microsoft.com/office/2006/metadata/contentType" xmlns:ma="http://schemas.microsoft.com/office/2006/metadata/properties/metaAttributes" ct:_="" ma:_="" ma:contentTypeName="Document" ma:contentTypeID="0x0101004195FC54A15F344D83577B1CDDD67A5D" ma:contentTypeVersion="13" ma:contentTypeDescription="Create a new document." ma:contentTypeScope="" ma:versionID="30ded57c9b2156718eb8cc7b0e4246dc">
   <xsd:schema xmlns:xsd="http://www.w3.org/2001/XMLSchema" xmlns:xs="http://www.w3.org/2001/XMLSchema" xmlns:p="http://schemas.microsoft.com/office/2006/metadata/properties" xmlns:ns2="341e6018-ac0a-4dfb-8409-db9e0d25502e" xmlns:ns3="835f28f2-30f1-4728-84d2-86d96e143488" targetNamespace="http://schemas.microsoft.com/office/2006/metadata/properties" ma:root="true" ma:fieldsID="a0d1831635397921c92a19e568dfc949" ns2:_="" ns3:_="">
     <xsd:import namespace="341e6018-ac0a-4dfb-8409-db9e0d25502e"/>
@@ -22024,15 +22068,16 @@
 </ct:contentTypeSchema>
 </file>
 
-<file path=customXml/itemProps1.xml><?xml version="1.0" encoding="utf-8"?>
-<ds:datastoreItem xmlns:ds="http://schemas.openxmlformats.org/officeDocument/2006/customXml" ds:itemID="{296B3B9E-03D8-4766-BF45-6129617CF026}">
-  <ds:schemaRefs>
-    <ds:schemaRef ds:uri="http://schemas.microsoft.com/sharepoint/v3/contenttype/forms"/>
-  </ds:schemaRefs>
-</ds:datastoreItem>
+<file path=customXml/item3.xml><?xml version="1.0" encoding="utf-8"?>
+<?mso-contentType ?>
+<FormTemplates xmlns="http://schemas.microsoft.com/sharepoint/v3/contenttype/forms">
+  <Display>DocumentLibraryForm</Display>
+  <Edit>DocumentLibraryForm</Edit>
+  <New>DocumentLibraryForm</New>
+</FormTemplates>
 </file>
 
-<file path=customXml/itemProps2.xml><?xml version="1.0" encoding="utf-8"?>
+<file path=customXml/itemProps1.xml><?xml version="1.0" encoding="utf-8"?>
 <ds:datastoreItem xmlns:ds="http://schemas.openxmlformats.org/officeDocument/2006/customXml" ds:itemID="{E9033E08-7FE9-4F6D-B155-A8777B4A5A57}">
   <ds:schemaRefs>
     <ds:schemaRef ds:uri="341e6018-ac0a-4dfb-8409-db9e0d25502e"/>
@@ -22049,7 +22094,7 @@
 </ds:datastoreItem>
 </file>
 
-<file path=customXml/itemProps3.xml><?xml version="1.0" encoding="utf-8"?>
+<file path=customXml/itemProps2.xml><?xml version="1.0" encoding="utf-8"?>
 <ds:datastoreItem xmlns:ds="http://schemas.openxmlformats.org/officeDocument/2006/customXml" ds:itemID="{5BCFD5A9-9FF3-42E0-89D7-BF5BFC61DD60}">
   <ds:schemaRefs>
     <ds:schemaRef ds:uri="341e6018-ac0a-4dfb-8409-db9e0d25502e"/>
@@ -22066,4 +22111,12 @@
     <ds:schemaRef ds:uri="http://www.w3.org/2001/XMLSchema"/>
   </ds:schemaRefs>
 </ds:datastoreItem>
+</file>
+
+<file path=customXml/itemProps3.xml><?xml version="1.0" encoding="utf-8"?>
+<ds:datastoreItem xmlns:ds="http://schemas.openxmlformats.org/officeDocument/2006/customXml" ds:itemID="{296B3B9E-03D8-4766-BF45-6129617CF026}">
+  <ds:schemaRefs>
+    <ds:schemaRef ds:uri="http://schemas.microsoft.com/sharepoint/v3/contenttype/forms"/>
+  </ds:schemaRefs>
+</ds:datastoreItem>
 </file>